--- a/Design/ClassDiagram.pptx
+++ b/Design/ClassDiagram.pptx
@@ -288,7 +288,7 @@
           <a:p>
             <a:fld id="{39F18454-74F2-C84B-97E6-98512B570919}" type="datetimeFigureOut">
               <a:rPr lang="en-US" smtClean="0"/>
-              <a:t>10/8/14 </a:t>
+              <a:t>10/13/14 </a:t>
             </a:fld>
             <a:endParaRPr lang="en-US"/>
           </a:p>
@@ -458,7 +458,7 @@
           <a:p>
             <a:fld id="{39F18454-74F2-C84B-97E6-98512B570919}" type="datetimeFigureOut">
               <a:rPr lang="en-US" smtClean="0"/>
-              <a:t>10/8/14 </a:t>
+              <a:t>10/13/14 </a:t>
             </a:fld>
             <a:endParaRPr lang="en-US"/>
           </a:p>
@@ -638,7 +638,7 @@
           <a:p>
             <a:fld id="{39F18454-74F2-C84B-97E6-98512B570919}" type="datetimeFigureOut">
               <a:rPr lang="en-US" smtClean="0"/>
-              <a:t>10/8/14 </a:t>
+              <a:t>10/13/14 </a:t>
             </a:fld>
             <a:endParaRPr lang="en-US"/>
           </a:p>
@@ -808,7 +808,7 @@
           <a:p>
             <a:fld id="{39F18454-74F2-C84B-97E6-98512B570919}" type="datetimeFigureOut">
               <a:rPr lang="en-US" smtClean="0"/>
-              <a:t>10/8/14 </a:t>
+              <a:t>10/13/14 </a:t>
             </a:fld>
             <a:endParaRPr lang="en-US"/>
           </a:p>
@@ -1054,7 +1054,7 @@
           <a:p>
             <a:fld id="{39F18454-74F2-C84B-97E6-98512B570919}" type="datetimeFigureOut">
               <a:rPr lang="en-US" smtClean="0"/>
-              <a:t>10/8/14 </a:t>
+              <a:t>10/13/14 </a:t>
             </a:fld>
             <a:endParaRPr lang="en-US"/>
           </a:p>
@@ -1342,7 +1342,7 @@
           <a:p>
             <a:fld id="{39F18454-74F2-C84B-97E6-98512B570919}" type="datetimeFigureOut">
               <a:rPr lang="en-US" smtClean="0"/>
-              <a:t>10/8/14 </a:t>
+              <a:t>10/13/14 </a:t>
             </a:fld>
             <a:endParaRPr lang="en-US"/>
           </a:p>
@@ -1764,7 +1764,7 @@
           <a:p>
             <a:fld id="{39F18454-74F2-C84B-97E6-98512B570919}" type="datetimeFigureOut">
               <a:rPr lang="en-US" smtClean="0"/>
-              <a:t>10/8/14 </a:t>
+              <a:t>10/13/14 </a:t>
             </a:fld>
             <a:endParaRPr lang="en-US"/>
           </a:p>
@@ -1882,7 +1882,7 @@
           <a:p>
             <a:fld id="{39F18454-74F2-C84B-97E6-98512B570919}" type="datetimeFigureOut">
               <a:rPr lang="en-US" smtClean="0"/>
-              <a:t>10/8/14 </a:t>
+              <a:t>10/13/14 </a:t>
             </a:fld>
             <a:endParaRPr lang="en-US"/>
           </a:p>
@@ -1977,7 +1977,7 @@
           <a:p>
             <a:fld id="{39F18454-74F2-C84B-97E6-98512B570919}" type="datetimeFigureOut">
               <a:rPr lang="en-US" smtClean="0"/>
-              <a:t>10/8/14 </a:t>
+              <a:t>10/13/14 </a:t>
             </a:fld>
             <a:endParaRPr lang="en-US"/>
           </a:p>
@@ -2254,7 +2254,7 @@
           <a:p>
             <a:fld id="{39F18454-74F2-C84B-97E6-98512B570919}" type="datetimeFigureOut">
               <a:rPr lang="en-US" smtClean="0"/>
-              <a:t>10/8/14 </a:t>
+              <a:t>10/13/14 </a:t>
             </a:fld>
             <a:endParaRPr lang="en-US"/>
           </a:p>
@@ -2507,7 +2507,7 @@
           <a:p>
             <a:fld id="{39F18454-74F2-C84B-97E6-98512B570919}" type="datetimeFigureOut">
               <a:rPr lang="en-US" smtClean="0"/>
-              <a:t>10/8/14 </a:t>
+              <a:t>10/13/14 </a:t>
             </a:fld>
             <a:endParaRPr lang="en-US"/>
           </a:p>
@@ -2720,7 +2720,7 @@
           <a:p>
             <a:fld id="{39F18454-74F2-C84B-97E6-98512B570919}" type="datetimeFigureOut">
               <a:rPr lang="en-US" smtClean="0"/>
-              <a:t>10/8/14 </a:t>
+              <a:t>10/13/14 </a:t>
             </a:fld>
             <a:endParaRPr lang="en-US"/>
           </a:p>
@@ -11482,6 +11482,109 @@
           <a:xfrm>
             <a:off x="3109627" y="5230431"/>
             <a:ext cx="302307" cy="0"/>
+          </a:xfrm>
+          <a:prstGeom prst="line">
+            <a:avLst/>
+          </a:prstGeom>
+          <a:ln>
+            <a:solidFill>
+              <a:schemeClr val="tx1"/>
+            </a:solidFill>
+          </a:ln>
+          <a:effectLst/>
+        </p:spPr>
+        <p:style>
+          <a:lnRef idx="2">
+            <a:schemeClr val="accent1"/>
+          </a:lnRef>
+          <a:fillRef idx="0">
+            <a:schemeClr val="accent1"/>
+          </a:fillRef>
+          <a:effectRef idx="1">
+            <a:schemeClr val="accent1"/>
+          </a:effectRef>
+          <a:fontRef idx="minor">
+            <a:schemeClr val="tx1"/>
+          </a:fontRef>
+        </p:style>
+      </p:cxnSp>
+      <p:sp>
+        <p:nvSpPr>
+          <p:cNvPr id="221" name="Rectangle 220"/>
+          <p:cNvSpPr/>
+          <p:nvPr/>
+        </p:nvSpPr>
+        <p:spPr>
+          <a:xfrm>
+            <a:off x="1792184" y="7238230"/>
+            <a:ext cx="1286186" cy="373188"/>
+          </a:xfrm>
+          <a:prstGeom prst="rect">
+            <a:avLst/>
+          </a:prstGeom>
+          <a:solidFill>
+            <a:schemeClr val="bg1"/>
+          </a:solidFill>
+          <a:ln>
+            <a:solidFill>
+              <a:schemeClr val="tx1"/>
+            </a:solidFill>
+          </a:ln>
+          <a:effectLst/>
+        </p:spPr>
+        <p:style>
+          <a:lnRef idx="1">
+            <a:schemeClr val="accent1"/>
+          </a:lnRef>
+          <a:fillRef idx="3">
+            <a:schemeClr val="accent1"/>
+          </a:fillRef>
+          <a:effectRef idx="2">
+            <a:schemeClr val="accent1"/>
+          </a:effectRef>
+          <a:fontRef idx="minor">
+            <a:schemeClr val="lt1"/>
+          </a:fontRef>
+        </p:style>
+        <p:txBody>
+          <a:bodyPr rtlCol="0" anchor="ctr"/>
+          <a:lstStyle/>
+          <a:p>
+            <a:pPr algn="ctr"/>
+            <a:r>
+              <a:rPr lang="en-US" sz="1200" b="1" dirty="0" err="1" smtClean="0">
+                <a:solidFill>
+                  <a:schemeClr val="tx1"/>
+                </a:solidFill>
+              </a:rPr>
+              <a:t>Follow</a:t>
+            </a:r>
+            <a:r>
+              <a:rPr lang="en-US" sz="1200" b="1" dirty="0" err="1" smtClean="0">
+                <a:solidFill>
+                  <a:schemeClr val="tx1"/>
+                </a:solidFill>
+              </a:rPr>
+              <a:t>List</a:t>
+            </a:r>
+            <a:endParaRPr lang="en-US" sz="1200" b="1" dirty="0">
+              <a:solidFill>
+                <a:schemeClr val="tx1"/>
+              </a:solidFill>
+            </a:endParaRPr>
+          </a:p>
+        </p:txBody>
+      </p:sp>
+      <p:cxnSp>
+        <p:nvCxnSpPr>
+          <p:cNvPr id="222" name="Straight Connector 221"/>
+          <p:cNvCxnSpPr/>
+          <p:nvPr/>
+        </p:nvCxnSpPr>
+        <p:spPr>
+          <a:xfrm>
+            <a:off x="3078370" y="7422472"/>
+            <a:ext cx="332866" cy="0"/>
           </a:xfrm>
           <a:prstGeom prst="line">
             <a:avLst/>
